--- a/assets/slides/P3 - Java Data Access (REST).pptx
+++ b/assets/slides/P3 - Java Data Access (REST).pptx
@@ -5,10 +5,10 @@
     <p:sldMasterId id="2147483672" r:id="rId1"/>
   </p:sldMasterIdLst>
   <p:notesMasterIdLst>
-    <p:notesMasterId r:id="rId28"/>
+    <p:notesMasterId r:id="rId26"/>
   </p:notesMasterIdLst>
   <p:handoutMasterIdLst>
-    <p:handoutMasterId r:id="rId29"/>
+    <p:handoutMasterId r:id="rId27"/>
   </p:handoutMasterIdLst>
   <p:sldIdLst>
     <p:sldId id="256" r:id="rId2"/>
@@ -23,20 +23,18 @@
     <p:sldId id="260" r:id="rId11"/>
     <p:sldId id="299" r:id="rId12"/>
     <p:sldId id="276" r:id="rId13"/>
-    <p:sldId id="277" r:id="rId14"/>
-    <p:sldId id="278" r:id="rId15"/>
-    <p:sldId id="285" r:id="rId16"/>
-    <p:sldId id="286" r:id="rId17"/>
-    <p:sldId id="287" r:id="rId18"/>
-    <p:sldId id="282" r:id="rId19"/>
-    <p:sldId id="283" r:id="rId20"/>
-    <p:sldId id="284" r:id="rId21"/>
-    <p:sldId id="289" r:id="rId22"/>
-    <p:sldId id="291" r:id="rId23"/>
-    <p:sldId id="292" r:id="rId24"/>
-    <p:sldId id="272" r:id="rId25"/>
-    <p:sldId id="293" r:id="rId26"/>
-    <p:sldId id="383" r:id="rId27"/>
+    <p:sldId id="278" r:id="rId14"/>
+    <p:sldId id="285" r:id="rId15"/>
+    <p:sldId id="286" r:id="rId16"/>
+    <p:sldId id="287" r:id="rId17"/>
+    <p:sldId id="282" r:id="rId18"/>
+    <p:sldId id="283" r:id="rId19"/>
+    <p:sldId id="284" r:id="rId20"/>
+    <p:sldId id="289" r:id="rId21"/>
+    <p:sldId id="291" r:id="rId22"/>
+    <p:sldId id="272" r:id="rId23"/>
+    <p:sldId id="293" r:id="rId24"/>
+    <p:sldId id="383" r:id="rId25"/>
   </p:sldIdLst>
   <p:sldSz cx="12192000" cy="6858000"/>
   <p:notesSz cx="6858000" cy="9144000"/>
@@ -248,7 +246,7 @@
           <a:p>
             <a:fld id="{5591E39A-28E5-5D4D-B97C-ECEB96F19817}" type="datetimeFigureOut">
               <a:rPr lang="en-IT" smtClean="0"/>
-              <a:t>20/04/22</a:t>
+              <a:t>03/05/23</a:t>
             </a:fld>
             <a:endParaRPr lang="en-IT"/>
           </a:p>
@@ -427,7 +425,7 @@
             <a:fld id="{BAEB7694-8561-4BE2-948D-EDF7A201F8BB}" type="datetimeFigureOut">
               <a:rPr lang="it-IT" smtClean="0"/>
               <a:pPr/>
-              <a:t>20/04/22</a:t>
+              <a:t>03/05/23</a:t>
             </a:fld>
             <a:endParaRPr lang="it-IT"/>
           </a:p>
@@ -3940,13 +3938,53 @@
             </a:r>
             <a:r>
               <a:rPr lang="en-US" sz="2400" dirty="0"/>
-              <a:t>/resource/</a:t>
+              <a:t>/</a:t>
+            </a:r>
+            <a:r>
+              <a:rPr lang="en-US" sz="2400" dirty="0">
+                <a:solidFill>
+                  <a:schemeClr val="accent6">
+                    <a:lumMod val="75000"/>
+                  </a:schemeClr>
+                </a:solidFill>
+              </a:rPr>
+              <a:t>resource</a:t>
+            </a:r>
+            <a:r>
+              <a:rPr lang="en-US" sz="2400" dirty="0"/>
+              <a:t>/</a:t>
+            </a:r>
+            <a:r>
+              <a:rPr lang="en-US" sz="2400" dirty="0" err="1">
+                <a:solidFill>
+                  <a:srgbClr val="00B050"/>
+                </a:solidFill>
+              </a:rPr>
+              <a:t>id</a:t>
             </a:r>
             <a:r>
               <a:rPr lang="en-US" sz="2400" dirty="0" err="1"/>
-              <a:t>id|service</a:t>
-            </a:r>
-            <a:endParaRPr lang="en-US" sz="2400" dirty="0"/>
+              <a:t>|</a:t>
+            </a:r>
+            <a:r>
+              <a:rPr lang="en-US" sz="2400" dirty="0" err="1">
+                <a:solidFill>
+                  <a:schemeClr val="tx2">
+                    <a:lumMod val="60000"/>
+                    <a:lumOff val="40000"/>
+                  </a:schemeClr>
+                </a:solidFill>
+              </a:rPr>
+              <a:t>service</a:t>
+            </a:r>
+            <a:endParaRPr lang="en-US" sz="2400" dirty="0">
+              <a:solidFill>
+                <a:schemeClr val="tx2">
+                  <a:lumMod val="60000"/>
+                  <a:lumOff val="40000"/>
+                </a:schemeClr>
+              </a:solidFill>
+            </a:endParaRPr>
           </a:p>
           <a:p>
             <a:r>
@@ -3966,7 +4004,29 @@
             </a:r>
             <a:r>
               <a:rPr lang="en-US" sz="2400" dirty="0"/>
-              <a:t>/v2/venues/VENUE_ID</a:t>
+              <a:t>/v2/</a:t>
+            </a:r>
+            <a:r>
+              <a:rPr lang="en-US" sz="2400" dirty="0">
+                <a:solidFill>
+                  <a:schemeClr val="accent6">
+                    <a:lumMod val="75000"/>
+                  </a:schemeClr>
+                </a:solidFill>
+              </a:rPr>
+              <a:t>venues</a:t>
+            </a:r>
+            <a:r>
+              <a:rPr lang="en-US" sz="2400" dirty="0"/>
+              <a:t>/</a:t>
+            </a:r>
+            <a:r>
+              <a:rPr lang="en-US" sz="2400" dirty="0">
+                <a:solidFill>
+                  <a:srgbClr val="00B050"/>
+                </a:solidFill>
+              </a:rPr>
+              <a:t>VENUE_ID</a:t>
             </a:r>
           </a:p>
           <a:p>
@@ -3981,7 +4041,29 @@
             </a:r>
             <a:r>
               <a:rPr lang="en-US" sz="2400" dirty="0"/>
-              <a:t>/v2/photos/PHOTO_ID</a:t>
+              <a:t>/v2/</a:t>
+            </a:r>
+            <a:r>
+              <a:rPr lang="en-US" sz="2400" dirty="0">
+                <a:solidFill>
+                  <a:schemeClr val="accent6">
+                    <a:lumMod val="75000"/>
+                  </a:schemeClr>
+                </a:solidFill>
+              </a:rPr>
+              <a:t>photos</a:t>
+            </a:r>
+            <a:r>
+              <a:rPr lang="en-US" sz="2400" dirty="0"/>
+              <a:t>/</a:t>
+            </a:r>
+            <a:r>
+              <a:rPr lang="en-US" sz="2400" dirty="0">
+                <a:solidFill>
+                  <a:srgbClr val="00B050"/>
+                </a:solidFill>
+              </a:rPr>
+              <a:t>PHOTO_ID</a:t>
             </a:r>
           </a:p>
           <a:p>
@@ -3996,7 +4078,32 @@
             </a:r>
             <a:r>
               <a:rPr lang="en-US" sz="2400" dirty="0"/>
-              <a:t>/v2/users/search</a:t>
+              <a:t>/v2/</a:t>
+            </a:r>
+            <a:r>
+              <a:rPr lang="en-US" sz="2400" dirty="0">
+                <a:solidFill>
+                  <a:schemeClr val="accent6">
+                    <a:lumMod val="75000"/>
+                  </a:schemeClr>
+                </a:solidFill>
+              </a:rPr>
+              <a:t>users</a:t>
+            </a:r>
+            <a:r>
+              <a:rPr lang="en-US" sz="2400" dirty="0"/>
+              <a:t>/</a:t>
+            </a:r>
+            <a:r>
+              <a:rPr lang="en-US" sz="2400" dirty="0">
+                <a:solidFill>
+                  <a:schemeClr val="tx2">
+                    <a:lumMod val="60000"/>
+                    <a:lumOff val="40000"/>
+                  </a:schemeClr>
+                </a:solidFill>
+              </a:rPr>
+              <a:t>search</a:t>
             </a:r>
           </a:p>
           <a:p>
@@ -4011,7 +4118,32 @@
             </a:r>
             <a:r>
               <a:rPr lang="en-US" sz="2400" dirty="0"/>
-              <a:t> by friends https://api.foursquare.com/v2/checkins/recent</a:t>
+              <a:t> by friends https://api.foursquare.com/v2/</a:t>
+            </a:r>
+            <a:r>
+              <a:rPr lang="en-US" sz="2400" dirty="0">
+                <a:solidFill>
+                  <a:schemeClr val="accent6">
+                    <a:lumMod val="75000"/>
+                  </a:schemeClr>
+                </a:solidFill>
+              </a:rPr>
+              <a:t>checkins</a:t>
+            </a:r>
+            <a:r>
+              <a:rPr lang="en-US" sz="2400" dirty="0"/>
+              <a:t>/</a:t>
+            </a:r>
+            <a:r>
+              <a:rPr lang="en-US" sz="2400" dirty="0">
+                <a:solidFill>
+                  <a:schemeClr val="tx2">
+                    <a:lumMod val="60000"/>
+                    <a:lumOff val="40000"/>
+                  </a:schemeClr>
+                </a:solidFill>
+              </a:rPr>
+              <a:t>recent</a:t>
             </a:r>
           </a:p>
           <a:p>
@@ -4105,58 +4237,109 @@
             <a:spLocks noGrp="1"/>
           </p:cNvSpPr>
           <p:nvPr>
-            <p:ph idx="1"/>
+            <p:ph sz="half" idx="1"/>
           </p:nvPr>
         </p:nvSpPr>
         <p:spPr/>
         <p:txBody>
           <a:bodyPr>
-            <a:normAutofit/>
+            <a:normAutofit fontScale="92500" lnSpcReduction="10000"/>
           </a:bodyPr>
           <a:lstStyle/>
           <a:p>
+            <a:r>
+              <a:rPr lang="en-US" dirty="0"/>
+              <a:t>A resource can be thought of as an object as in OOP or a record in a SQL Database.</a:t>
+            </a:r>
+          </a:p>
+          <a:p>
+            <a:r>
+              <a:rPr lang="en-US" dirty="0"/>
+              <a:t>While designing a system, the first thing to do is identify the resources and determine how they relate.</a:t>
+            </a:r>
+          </a:p>
+        </p:txBody>
+      </p:sp>
+      <p:sp>
+        <p:nvSpPr>
+          <p:cNvPr id="4" name="Content Placeholder 3">
+            <a:extLst>
+              <a:ext uri="{FF2B5EF4-FFF2-40B4-BE49-F238E27FC236}">
+                <a16:creationId xmlns:a16="http://schemas.microsoft.com/office/drawing/2014/main" id="{3F2EC859-CE8D-1D16-2DCC-6DF50CF82C9A}"/>
+              </a:ext>
+            </a:extLst>
+          </p:cNvPr>
+          <p:cNvSpPr>
+            <a:spLocks noGrp="1"/>
+          </p:cNvSpPr>
+          <p:nvPr>
+            <p:ph sz="half" idx="2"/>
+          </p:nvPr>
+        </p:nvSpPr>
+        <p:spPr/>
+        <p:txBody>
+          <a:bodyPr>
+            <a:normAutofit fontScale="92500" lnSpcReduction="10000"/>
+          </a:bodyPr>
+          <a:lstStyle/>
+          <a:p>
+            <a:r>
+              <a:rPr lang="en-US" dirty="0"/>
+              <a:t>Once resources have been identified,  </a:t>
+            </a:r>
+            <a:r>
+              <a:rPr lang="en-US" dirty="0">
+                <a:solidFill>
+                  <a:schemeClr val="accent6">
+                    <a:lumMod val="75000"/>
+                  </a:schemeClr>
+                </a:solidFill>
+              </a:rPr>
+              <a:t>it is important to properly represent them</a:t>
+            </a:r>
+            <a:r>
+              <a:rPr lang="en-US" dirty="0"/>
+              <a:t>. For example, the </a:t>
+            </a:r>
+            <a:r>
+              <a:rPr lang="en-US" dirty="0" err="1"/>
+              <a:t>toString</a:t>
+            </a:r>
+            <a:r>
+              <a:rPr lang="en-US" dirty="0"/>
+              <a:t>() method represents resources using a plain String). </a:t>
+            </a:r>
+          </a:p>
+          <a:p>
+            <a:r>
+              <a:rPr lang="en-US" dirty="0"/>
+              <a:t>You can use any format for representing the resources as REST does not put any restrictions.</a:t>
+            </a:r>
             <a:r>
               <a:rPr lang="en-US" dirty="0">
                 <a:solidFill>
                   <a:srgbClr val="E46C0A"/>
                 </a:solidFill>
               </a:rPr>
-              <a:t>The focus of a RESTful service is on resources and how to provide access to these resources</a:t>
-            </a:r>
-            <a:r>
-              <a:rPr lang="en-US" dirty="0"/>
-              <a:t>. </a:t>
-            </a:r>
-          </a:p>
-          <a:p>
-            <a:r>
-              <a:rPr lang="en-US" dirty="0"/>
-              <a:t>A resource can be thought of as an object as in OOP. A resource can consist of other resources. </a:t>
-            </a:r>
-          </a:p>
-          <a:p>
-            <a:r>
-              <a:rPr lang="en-US" dirty="0"/>
-              <a:t>While designing a system, the first thing to do is identify the resources and determine how they are related to each other. </a:t>
-            </a:r>
-          </a:p>
-          <a:p>
-            <a:r>
-              <a:rPr lang="en-US" dirty="0"/>
-              <a:t>This is </a:t>
+              <a:t> </a:t>
+            </a:r>
+            <a:r>
+              <a:rPr lang="en-US" dirty="0"/>
+              <a:t>Nevertheless, </a:t>
             </a:r>
             <a:r>
               <a:rPr lang="en-US" dirty="0">
                 <a:solidFill>
-                  <a:srgbClr val="E46C0A"/>
+                  <a:schemeClr val="accent6">
+                    <a:lumMod val="75000"/>
+                  </a:schemeClr>
                 </a:solidFill>
               </a:rPr>
-              <a:t>similar to designing a database or object-oriented software</a:t>
-            </a:r>
-            <a:r>
-              <a:rPr lang="en-US" dirty="0"/>
-              <a:t>: identify key entities and their mutual relations.</a:t>
-            </a:r>
+              <a:t>the most used representations are XML and JSON</a:t>
+            </a:r>
+          </a:p>
+          <a:p>
+            <a:endParaRPr lang="en-IT" dirty="0"/>
           </a:p>
         </p:txBody>
       </p:sp>
@@ -4174,148 +4357,6 @@
 </file>
 
 <file path=ppt/slides/slide13.xml><?xml version="1.0" encoding="utf-8"?>
-<p:sld xmlns:a="http://schemas.openxmlformats.org/drawingml/2006/main" xmlns:r="http://schemas.openxmlformats.org/officeDocument/2006/relationships" xmlns:p="http://schemas.openxmlformats.org/presentationml/2006/main">
-  <p:cSld>
-    <p:spTree>
-      <p:nvGrpSpPr>
-        <p:cNvPr id="1" name=""/>
-        <p:cNvGrpSpPr/>
-        <p:nvPr/>
-      </p:nvGrpSpPr>
-      <p:grpSpPr>
-        <a:xfrm>
-          <a:off x="0" y="0"/>
-          <a:ext cx="0" cy="0"/>
-          <a:chOff x="0" y="0"/>
-          <a:chExt cx="0" cy="0"/>
-        </a:xfrm>
-      </p:grpSpPr>
-      <p:sp>
-        <p:nvSpPr>
-          <p:cNvPr id="2" name="Title 1"/>
-          <p:cNvSpPr>
-            <a:spLocks noGrp="1"/>
-          </p:cNvSpPr>
-          <p:nvPr>
-            <p:ph type="title"/>
-          </p:nvPr>
-        </p:nvSpPr>
-        <p:spPr/>
-        <p:txBody>
-          <a:bodyPr/>
-          <a:lstStyle/>
-          <a:p>
-            <a:r>
-              <a:rPr lang="en-US" dirty="0"/>
-              <a:t>Representations</a:t>
-            </a:r>
-          </a:p>
-        </p:txBody>
-      </p:sp>
-      <p:sp>
-        <p:nvSpPr>
-          <p:cNvPr id="3" name="Content Placeholder 2"/>
-          <p:cNvSpPr>
-            <a:spLocks noGrp="1"/>
-          </p:cNvSpPr>
-          <p:nvPr>
-            <p:ph idx="1"/>
-          </p:nvPr>
-        </p:nvSpPr>
-        <p:spPr/>
-        <p:txBody>
-          <a:bodyPr>
-            <a:normAutofit/>
-          </a:bodyPr>
-          <a:lstStyle/>
-          <a:p>
-            <a:r>
-              <a:rPr lang="en-US" dirty="0"/>
-              <a:t>Once resources have been identified,  </a:t>
-            </a:r>
-            <a:r>
-              <a:rPr lang="en-US" dirty="0">
-                <a:solidFill>
-                  <a:schemeClr val="accent6">
-                    <a:lumMod val="75000"/>
-                  </a:schemeClr>
-                </a:solidFill>
-              </a:rPr>
-              <a:t>it is important to properly represent resources </a:t>
-            </a:r>
-            <a:r>
-              <a:rPr lang="en-US" dirty="0"/>
-              <a:t>(for example, the </a:t>
-            </a:r>
-            <a:r>
-              <a:rPr lang="en-US" dirty="0" err="1"/>
-              <a:t>toString</a:t>
-            </a:r>
-            <a:r>
-              <a:rPr lang="en-US" dirty="0"/>
-              <a:t>() method represent resources using a plain String). </a:t>
-            </a:r>
-          </a:p>
-          <a:p>
-            <a:r>
-              <a:rPr lang="en-US" dirty="0"/>
-              <a:t>You can use </a:t>
-            </a:r>
-            <a:r>
-              <a:rPr lang="en-US" dirty="0">
-                <a:solidFill>
-                  <a:schemeClr val="accent6">
-                    <a:lumMod val="75000"/>
-                  </a:schemeClr>
-                </a:solidFill>
-              </a:rPr>
-              <a:t>any format </a:t>
-            </a:r>
-            <a:r>
-              <a:rPr lang="en-US" dirty="0"/>
-              <a:t>for representing the resources as </a:t>
-            </a:r>
-            <a:r>
-              <a:rPr lang="en-US" dirty="0">
-                <a:solidFill>
-                  <a:srgbClr val="E46C0A"/>
-                </a:solidFill>
-              </a:rPr>
-              <a:t>REST does not put any restrictions. </a:t>
-            </a:r>
-          </a:p>
-          <a:p>
-            <a:r>
-              <a:rPr lang="en-US" dirty="0"/>
-              <a:t>Nevertheless, </a:t>
-            </a:r>
-            <a:r>
-              <a:rPr lang="en-US" dirty="0">
-                <a:solidFill>
-                  <a:schemeClr val="accent6">
-                    <a:lumMod val="75000"/>
-                  </a:schemeClr>
-                </a:solidFill>
-              </a:rPr>
-              <a:t>the most used representations are XML and JSON</a:t>
-            </a:r>
-          </a:p>
-        </p:txBody>
-      </p:sp>
-    </p:spTree>
-    <p:extLst>
-      <p:ext uri="{BB962C8B-B14F-4D97-AF65-F5344CB8AC3E}">
-        <p14:creationId xmlns:p14="http://schemas.microsoft.com/office/powerpoint/2010/main" val="2315606555"/>
-      </p:ext>
-    </p:extLst>
-  </p:cSld>
-  <p:clrMapOvr>
-    <a:masterClrMapping/>
-  </p:clrMapOvr>
-</p:sld>
-</file>
-
-<file path=ppt/slides/slide14.xml><?xml version="1.0" encoding="utf-8"?>
 <p:sld xmlns:a="http://schemas.openxmlformats.org/drawingml/2006/main" xmlns:r="http://schemas.openxmlformats.org/officeDocument/2006/relationships" xmlns:p="http://schemas.openxmlformats.org/presentationml/2006/main">
   <p:cSld>
     <p:spTree>
@@ -4400,6 +4441,148 @@
 </p:sld>
 </file>
 
+<file path=ppt/slides/slide14.xml><?xml version="1.0" encoding="utf-8"?>
+<p:sld xmlns:a="http://schemas.openxmlformats.org/drawingml/2006/main" xmlns:r="http://schemas.openxmlformats.org/officeDocument/2006/relationships" xmlns:p="http://schemas.openxmlformats.org/presentationml/2006/main">
+  <p:cSld>
+    <p:spTree>
+      <p:nvGrpSpPr>
+        <p:cNvPr id="1" name=""/>
+        <p:cNvGrpSpPr/>
+        <p:nvPr/>
+      </p:nvGrpSpPr>
+      <p:grpSpPr>
+        <a:xfrm>
+          <a:off x="0" y="0"/>
+          <a:ext cx="0" cy="0"/>
+          <a:chOff x="0" y="0"/>
+          <a:chExt cx="0" cy="0"/>
+        </a:xfrm>
+      </p:grpSpPr>
+      <p:sp>
+        <p:nvSpPr>
+          <p:cNvPr id="2" name="Title 1"/>
+          <p:cNvSpPr>
+            <a:spLocks noGrp="1"/>
+          </p:cNvSpPr>
+          <p:nvPr>
+            <p:ph type="title"/>
+          </p:nvPr>
+        </p:nvSpPr>
+        <p:spPr/>
+        <p:txBody>
+          <a:bodyPr/>
+          <a:lstStyle/>
+          <a:p>
+            <a:r>
+              <a:rPr lang="en-US" dirty="0"/>
+              <a:t>Operations (HTTP Verbs)</a:t>
+            </a:r>
+          </a:p>
+        </p:txBody>
+      </p:sp>
+      <p:sp>
+        <p:nvSpPr>
+          <p:cNvPr id="3" name="Content Placeholder 2"/>
+          <p:cNvSpPr>
+            <a:spLocks noGrp="1"/>
+          </p:cNvSpPr>
+          <p:nvPr>
+            <p:ph idx="1"/>
+          </p:nvPr>
+        </p:nvSpPr>
+        <p:spPr/>
+        <p:txBody>
+          <a:bodyPr/>
+          <a:lstStyle/>
+          <a:p>
+            <a:r>
+              <a:rPr lang="en-US" dirty="0"/>
+              <a:t>HTTP Verbs (see HTTP Request) define </a:t>
+            </a:r>
+            <a:r>
+              <a:rPr lang="en-US" dirty="0">
+                <a:solidFill>
+                  <a:schemeClr val="accent6">
+                    <a:lumMod val="75000"/>
+                  </a:schemeClr>
+                </a:solidFill>
+              </a:rPr>
+              <a:t>operations on specific resources.</a:t>
+            </a:r>
+          </a:p>
+          <a:p>
+            <a:endParaRPr lang="en-US" dirty="0">
+              <a:solidFill>
+                <a:schemeClr val="accent6">
+                  <a:lumMod val="75000"/>
+                </a:schemeClr>
+              </a:solidFill>
+            </a:endParaRPr>
+          </a:p>
+          <a:p>
+            <a:r>
+              <a:rPr lang="en-US" dirty="0"/>
+              <a:t>GET /users/145 </a:t>
+            </a:r>
+            <a:r>
+              <a:rPr lang="en-US" i="1" dirty="0"/>
+              <a:t>(retrieve user 145)</a:t>
+            </a:r>
+          </a:p>
+          <a:p>
+            <a:r>
+              <a:rPr lang="en-US" dirty="0"/>
+              <a:t>DELETE /users/145 </a:t>
+            </a:r>
+            <a:r>
+              <a:rPr lang="en-US" i="1" dirty="0"/>
+              <a:t>(delete user 145)</a:t>
+            </a:r>
+          </a:p>
+          <a:p>
+            <a:r>
+              <a:rPr lang="en-US" dirty="0"/>
+              <a:t>POST /users/ </a:t>
+            </a:r>
+            <a:r>
+              <a:rPr lang="en-US" i="1" dirty="0"/>
+              <a:t>(add a new user)</a:t>
+            </a:r>
+          </a:p>
+          <a:p>
+            <a:r>
+              <a:rPr lang="en-US" dirty="0"/>
+              <a:t>PUT /users/17 </a:t>
+            </a:r>
+            <a:r>
+              <a:rPr lang="en-US" i="1" dirty="0"/>
+              <a:t>(update user 17)</a:t>
+            </a:r>
+          </a:p>
+          <a:p>
+            <a:endParaRPr lang="en-US" dirty="0">
+              <a:solidFill>
+                <a:schemeClr val="accent6">
+                  <a:lumMod val="75000"/>
+                </a:schemeClr>
+              </a:solidFill>
+            </a:endParaRPr>
+          </a:p>
+        </p:txBody>
+      </p:sp>
+    </p:spTree>
+    <p:extLst>
+      <p:ext uri="{BB962C8B-B14F-4D97-AF65-F5344CB8AC3E}">
+        <p14:creationId xmlns:p14="http://schemas.microsoft.com/office/powerpoint/2010/main" val="3595468721"/>
+      </p:ext>
+    </p:extLst>
+  </p:cSld>
+  <p:clrMapOvr>
+    <a:masterClrMapping/>
+  </p:clrMapOvr>
+</p:sld>
+</file>
+
 <file path=ppt/slides/slide15.xml><?xml version="1.0" encoding="utf-8"?>
 <p:sld xmlns:a="http://schemas.openxmlformats.org/drawingml/2006/main" xmlns:r="http://schemas.openxmlformats.org/officeDocument/2006/relationships" xmlns:p="http://schemas.openxmlformats.org/presentationml/2006/main">
   <p:cSld>
@@ -4446,148 +4629,6 @@
             <a:spLocks noGrp="1"/>
           </p:cNvSpPr>
           <p:nvPr>
-            <p:ph idx="1"/>
-          </p:nvPr>
-        </p:nvSpPr>
-        <p:spPr/>
-        <p:txBody>
-          <a:bodyPr/>
-          <a:lstStyle/>
-          <a:p>
-            <a:r>
-              <a:rPr lang="en-US" dirty="0"/>
-              <a:t>HTTP Verbs (see HTTP Request) define </a:t>
-            </a:r>
-            <a:r>
-              <a:rPr lang="en-US" dirty="0">
-                <a:solidFill>
-                  <a:schemeClr val="accent6">
-                    <a:lumMod val="75000"/>
-                  </a:schemeClr>
-                </a:solidFill>
-              </a:rPr>
-              <a:t>operations on specific resources.</a:t>
-            </a:r>
-          </a:p>
-          <a:p>
-            <a:endParaRPr lang="en-US" dirty="0">
-              <a:solidFill>
-                <a:schemeClr val="accent6">
-                  <a:lumMod val="75000"/>
-                </a:schemeClr>
-              </a:solidFill>
-            </a:endParaRPr>
-          </a:p>
-          <a:p>
-            <a:r>
-              <a:rPr lang="en-US" dirty="0"/>
-              <a:t>GET /users/145 </a:t>
-            </a:r>
-            <a:r>
-              <a:rPr lang="en-US" i="1" dirty="0"/>
-              <a:t>(retrieve user 145)</a:t>
-            </a:r>
-          </a:p>
-          <a:p>
-            <a:r>
-              <a:rPr lang="en-US" dirty="0"/>
-              <a:t>DELETE /users/145 </a:t>
-            </a:r>
-            <a:r>
-              <a:rPr lang="en-US" i="1" dirty="0"/>
-              <a:t>(delete user 145)</a:t>
-            </a:r>
-          </a:p>
-          <a:p>
-            <a:r>
-              <a:rPr lang="en-US" dirty="0"/>
-              <a:t>POST /users/ </a:t>
-            </a:r>
-            <a:r>
-              <a:rPr lang="en-US" i="1" dirty="0"/>
-              <a:t>(add a new user)</a:t>
-            </a:r>
-          </a:p>
-          <a:p>
-            <a:r>
-              <a:rPr lang="en-US" dirty="0"/>
-              <a:t>PUT /users/17 </a:t>
-            </a:r>
-            <a:r>
-              <a:rPr lang="en-US" i="1" dirty="0"/>
-              <a:t>(update user 17)</a:t>
-            </a:r>
-          </a:p>
-          <a:p>
-            <a:endParaRPr lang="en-US" dirty="0">
-              <a:solidFill>
-                <a:schemeClr val="accent6">
-                  <a:lumMod val="75000"/>
-                </a:schemeClr>
-              </a:solidFill>
-            </a:endParaRPr>
-          </a:p>
-        </p:txBody>
-      </p:sp>
-    </p:spTree>
-    <p:extLst>
-      <p:ext uri="{BB962C8B-B14F-4D97-AF65-F5344CB8AC3E}">
-        <p14:creationId xmlns:p14="http://schemas.microsoft.com/office/powerpoint/2010/main" val="3595468721"/>
-      </p:ext>
-    </p:extLst>
-  </p:cSld>
-  <p:clrMapOvr>
-    <a:masterClrMapping/>
-  </p:clrMapOvr>
-</p:sld>
-</file>
-
-<file path=ppt/slides/slide16.xml><?xml version="1.0" encoding="utf-8"?>
-<p:sld xmlns:a="http://schemas.openxmlformats.org/drawingml/2006/main" xmlns:r="http://schemas.openxmlformats.org/officeDocument/2006/relationships" xmlns:p="http://schemas.openxmlformats.org/presentationml/2006/main">
-  <p:cSld>
-    <p:spTree>
-      <p:nvGrpSpPr>
-        <p:cNvPr id="1" name=""/>
-        <p:cNvGrpSpPr/>
-        <p:nvPr/>
-      </p:nvGrpSpPr>
-      <p:grpSpPr>
-        <a:xfrm>
-          <a:off x="0" y="0"/>
-          <a:ext cx="0" cy="0"/>
-          <a:chOff x="0" y="0"/>
-          <a:chExt cx="0" cy="0"/>
-        </a:xfrm>
-      </p:grpSpPr>
-      <p:sp>
-        <p:nvSpPr>
-          <p:cNvPr id="2" name="Title 1"/>
-          <p:cNvSpPr>
-            <a:spLocks noGrp="1"/>
-          </p:cNvSpPr>
-          <p:nvPr>
-            <p:ph type="title"/>
-          </p:nvPr>
-        </p:nvSpPr>
-        <p:spPr/>
-        <p:txBody>
-          <a:bodyPr/>
-          <a:lstStyle/>
-          <a:p>
-            <a:r>
-              <a:rPr lang="en-US" dirty="0"/>
-              <a:t>Operations (HTTP Verbs)</a:t>
-            </a:r>
-          </a:p>
-        </p:txBody>
-      </p:sp>
-      <p:sp>
-        <p:nvSpPr>
-          <p:cNvPr id="3" name="Content Placeholder 2"/>
-          <p:cNvSpPr>
-            <a:spLocks noGrp="1"/>
-          </p:cNvSpPr>
-          <p:nvPr>
             <p:ph sz="half" idx="1"/>
           </p:nvPr>
         </p:nvSpPr>
@@ -4775,7 +4816,7 @@
 </p:sld>
 </file>
 
-<file path=ppt/slides/slide17.xml><?xml version="1.0" encoding="utf-8"?>
+<file path=ppt/slides/slide16.xml><?xml version="1.0" encoding="utf-8"?>
 <p:sld xmlns:a="http://schemas.openxmlformats.org/drawingml/2006/main" xmlns:r="http://schemas.openxmlformats.org/officeDocument/2006/relationships" xmlns:p="http://schemas.openxmlformats.org/presentationml/2006/main">
   <p:cSld>
     <p:spTree>
@@ -4943,6 +4984,138 @@
 </p:sld>
 </file>
 
+<file path=ppt/slides/slide17.xml><?xml version="1.0" encoding="utf-8"?>
+<p:sld xmlns:a="http://schemas.openxmlformats.org/drawingml/2006/main" xmlns:r="http://schemas.openxmlformats.org/officeDocument/2006/relationships" xmlns:p="http://schemas.openxmlformats.org/presentationml/2006/main">
+  <p:cSld>
+    <p:spTree>
+      <p:nvGrpSpPr>
+        <p:cNvPr id="1" name=""/>
+        <p:cNvGrpSpPr/>
+        <p:nvPr/>
+      </p:nvGrpSpPr>
+      <p:grpSpPr>
+        <a:xfrm>
+          <a:off x="0" y="0"/>
+          <a:ext cx="0" cy="0"/>
+          <a:chOff x="0" y="0"/>
+          <a:chExt cx="0" cy="0"/>
+        </a:xfrm>
+      </p:grpSpPr>
+      <p:sp>
+        <p:nvSpPr>
+          <p:cNvPr id="2" name="Title 1"/>
+          <p:cNvSpPr>
+            <a:spLocks noGrp="1"/>
+          </p:cNvSpPr>
+          <p:nvPr>
+            <p:ph type="title"/>
+          </p:nvPr>
+        </p:nvSpPr>
+        <p:spPr/>
+        <p:txBody>
+          <a:bodyPr/>
+          <a:lstStyle/>
+          <a:p>
+            <a:r>
+              <a:rPr lang="en-US" dirty="0"/>
+              <a:t>Addressing resources (URIs)</a:t>
+            </a:r>
+          </a:p>
+        </p:txBody>
+      </p:sp>
+      <p:sp>
+        <p:nvSpPr>
+          <p:cNvPr id="3" name="Content Placeholder 2"/>
+          <p:cNvSpPr>
+            <a:spLocks noGrp="1"/>
+          </p:cNvSpPr>
+          <p:nvPr>
+            <p:ph idx="1"/>
+          </p:nvPr>
+        </p:nvSpPr>
+        <p:spPr/>
+        <p:txBody>
+          <a:bodyPr>
+            <a:normAutofit/>
+          </a:bodyPr>
+          <a:lstStyle/>
+          <a:p>
+            <a:r>
+              <a:rPr lang="en-US" sz="2600" dirty="0"/>
+              <a:t>REST requires each resource to have at least one URI</a:t>
+            </a:r>
+          </a:p>
+          <a:p>
+            <a:r>
+              <a:rPr lang="en-US" sz="2600" dirty="0">
+                <a:solidFill>
+                  <a:srgbClr val="E46C0A"/>
+                </a:solidFill>
+              </a:rPr>
+              <a:t>RESTful services uses a directory hierarchy to address resources</a:t>
+            </a:r>
+            <a:endParaRPr lang="en-US" sz="2600" dirty="0"/>
+          </a:p>
+          <a:p>
+            <a:r>
+              <a:rPr lang="en-US" sz="2600" dirty="0">
+                <a:solidFill>
+                  <a:schemeClr val="accent6">
+                    <a:lumMod val="75000"/>
+                  </a:schemeClr>
+                </a:solidFill>
+              </a:rPr>
+              <a:t>The job of a URI is to identify a resource or a collection of resources </a:t>
+            </a:r>
+          </a:p>
+          <a:p>
+            <a:r>
+              <a:rPr lang="en-US" sz="2600" dirty="0"/>
+              <a:t>The actual operation is determined by an HTTP verb. The URI should not say anything about the operation or action</a:t>
+            </a:r>
+          </a:p>
+          <a:p>
+            <a:r>
+              <a:rPr lang="en-US" sz="2600" b="1" dirty="0"/>
+              <a:t>Protocol://</a:t>
+            </a:r>
+            <a:r>
+              <a:rPr lang="en-US" sz="2600" b="1" dirty="0" err="1"/>
+              <a:t>ServiceName</a:t>
+            </a:r>
+            <a:r>
+              <a:rPr lang="en-US" sz="2600" b="1" dirty="0"/>
+              <a:t>/</a:t>
+            </a:r>
+            <a:r>
+              <a:rPr lang="en-US" sz="2600" b="1" dirty="0" err="1"/>
+              <a:t>ResourceType</a:t>
+            </a:r>
+            <a:r>
+              <a:rPr lang="en-US" sz="2600" b="1" dirty="0"/>
+              <a:t>/</a:t>
+            </a:r>
+            <a:r>
+              <a:rPr lang="en-US" sz="2600" b="1" dirty="0" err="1"/>
+              <a:t>ResourceID</a:t>
+            </a:r>
+            <a:endParaRPr lang="en-US" sz="2600" b="1" dirty="0"/>
+          </a:p>
+        </p:txBody>
+      </p:sp>
+    </p:spTree>
+    <p:extLst>
+      <p:ext uri="{BB962C8B-B14F-4D97-AF65-F5344CB8AC3E}">
+        <p14:creationId xmlns:p14="http://schemas.microsoft.com/office/powerpoint/2010/main" val="3355913716"/>
+      </p:ext>
+    </p:extLst>
+  </p:cSld>
+  <p:clrMapOvr>
+    <a:masterClrMapping/>
+  </p:clrMapOvr>
+</p:sld>
+</file>
+
 <file path=ppt/slides/slide18.xml><?xml version="1.0" encoding="utf-8"?>
 <p:sld xmlns:a="http://schemas.openxmlformats.org/drawingml/2006/main" xmlns:r="http://schemas.openxmlformats.org/officeDocument/2006/relationships" xmlns:p="http://schemas.openxmlformats.org/presentationml/2006/main">
   <p:cSld>
@@ -4995,77 +5168,103 @@
         <p:spPr/>
         <p:txBody>
           <a:bodyPr>
-            <a:normAutofit/>
+            <a:normAutofit fontScale="92500" lnSpcReduction="20000"/>
           </a:bodyPr>
           <a:lstStyle/>
           <a:p>
             <a:r>
-              <a:rPr lang="en-US" sz="2600" dirty="0"/>
-              <a:t>REST requires each resource to have at least one URI</a:t>
-            </a:r>
-          </a:p>
-          <a:p>
-            <a:r>
-              <a:rPr lang="en-US" sz="2600" dirty="0">
-                <a:solidFill>
-                  <a:srgbClr val="E46C0A"/>
-                </a:solidFill>
-              </a:rPr>
-              <a:t>RESTful services uses a directory hierarchy to address resources</a:t>
-            </a:r>
-            <a:endParaRPr lang="en-US" sz="2600" dirty="0"/>
-          </a:p>
-          <a:p>
-            <a:r>
-              <a:rPr lang="en-US" sz="2600" dirty="0">
+              <a:rPr lang="en-US" dirty="0">
                 <a:solidFill>
                   <a:schemeClr val="accent6">
                     <a:lumMod val="75000"/>
                   </a:schemeClr>
                 </a:solidFill>
               </a:rPr>
-              <a:t>The job of a URI is to identify a resource or a collection of resources </a:t>
-            </a:r>
-          </a:p>
-          <a:p>
-            <a:r>
-              <a:rPr lang="en-US" sz="2600" dirty="0"/>
-              <a:t>The actual operation is determined by an HTTP verb. The URI should not say anything about the operation or action</a:t>
-            </a:r>
-          </a:p>
-          <a:p>
-            <a:r>
-              <a:rPr lang="en-US" sz="2600" b="1" dirty="0"/>
-              <a:t>Protocol://</a:t>
-            </a:r>
-            <a:r>
-              <a:rPr lang="en-US" sz="2600" b="1" dirty="0" err="1"/>
-              <a:t>ServiceName</a:t>
-            </a:r>
-            <a:r>
-              <a:rPr lang="en-US" sz="2600" b="1" dirty="0"/>
-              <a:t>/</a:t>
-            </a:r>
-            <a:r>
-              <a:rPr lang="en-US" sz="2600" b="1" dirty="0" err="1"/>
-              <a:t>ResourceType</a:t>
-            </a:r>
-            <a:r>
-              <a:rPr lang="en-US" sz="2600" b="1" dirty="0"/>
-              <a:t>/</a:t>
-            </a:r>
-            <a:r>
-              <a:rPr lang="en-US" sz="2600" b="1" dirty="0" err="1"/>
-              <a:t>ResourceID</a:t>
-            </a:r>
-            <a:endParaRPr lang="en-US" sz="2600" b="1" dirty="0"/>
+              <a:t>Use plural nouns </a:t>
+            </a:r>
+            <a:r>
+              <a:rPr lang="en-US" dirty="0"/>
+              <a:t>for naming your resources.</a:t>
+            </a:r>
+          </a:p>
+          <a:p>
+            <a:r>
+              <a:rPr lang="en-US" dirty="0">
+                <a:solidFill>
+                  <a:schemeClr val="accent6">
+                    <a:lumMod val="75000"/>
+                  </a:schemeClr>
+                </a:solidFill>
+              </a:rPr>
+              <a:t>Avoid using spaces </a:t>
+            </a:r>
+            <a:r>
+              <a:rPr lang="en-US" dirty="0"/>
+              <a:t>as they create confusion. Use an _ (underscore) or – (hyphen) instead.</a:t>
+            </a:r>
+          </a:p>
+          <a:p>
+            <a:r>
+              <a:rPr lang="en-US" dirty="0"/>
+              <a:t>A URI is </a:t>
+            </a:r>
+            <a:r>
+              <a:rPr lang="en-US" dirty="0">
+                <a:solidFill>
+                  <a:schemeClr val="accent6">
+                    <a:lumMod val="75000"/>
+                  </a:schemeClr>
+                </a:solidFill>
+              </a:rPr>
+              <a:t>case insensitive</a:t>
+            </a:r>
+            <a:r>
+              <a:rPr lang="en-US" dirty="0"/>
+              <a:t>. I use camel case in my URIs for better clarity. You can use all lower-case URIs.</a:t>
+            </a:r>
+          </a:p>
+          <a:p>
+            <a:r>
+              <a:rPr lang="en-US" dirty="0"/>
+              <a:t>A </a:t>
+            </a:r>
+            <a:r>
+              <a:rPr lang="en-US" dirty="0">
+                <a:solidFill>
+                  <a:schemeClr val="accent6">
+                    <a:lumMod val="75000"/>
+                  </a:schemeClr>
+                </a:solidFill>
+              </a:rPr>
+              <a:t>cool URI never changes</a:t>
+            </a:r>
+            <a:r>
+              <a:rPr lang="en-US" dirty="0"/>
+              <a:t>; so give some thought before deciding on the URIs for your service. If you need to change the location of a resource, do not discard the old URI and redirect the client to the new location.</a:t>
+            </a:r>
+          </a:p>
+          <a:p>
+            <a:r>
+              <a:rPr lang="en-US" dirty="0">
+                <a:solidFill>
+                  <a:schemeClr val="accent6">
+                    <a:lumMod val="75000"/>
+                  </a:schemeClr>
+                </a:solidFill>
+              </a:rPr>
+              <a:t>Avoid verbs</a:t>
+            </a:r>
+            <a:r>
+              <a:rPr lang="en-US" dirty="0"/>
+              <a:t> for your resource names. Verbs are more suitable for the names of operations. </a:t>
+            </a:r>
           </a:p>
         </p:txBody>
       </p:sp>
     </p:spTree>
     <p:extLst>
       <p:ext uri="{BB962C8B-B14F-4D97-AF65-F5344CB8AC3E}">
-        <p14:creationId xmlns:p14="http://schemas.microsoft.com/office/powerpoint/2010/main" val="3355913716"/>
+        <p14:creationId xmlns:p14="http://schemas.microsoft.com/office/powerpoint/2010/main" val="2691110523"/>
       </p:ext>
     </p:extLst>
   </p:cSld>
@@ -5109,7 +5308,7 @@
           <a:p>
             <a:r>
               <a:rPr lang="en-US" dirty="0"/>
-              <a:t>Addressing resources (URIs)</a:t>
+              <a:t>Query parameters</a:t>
             </a:r>
           </a:p>
         </p:txBody>
@@ -5127,9 +5326,56 @@
         <p:spPr/>
         <p:txBody>
           <a:bodyPr>
-            <a:normAutofit fontScale="92500" lnSpcReduction="20000"/>
+            <a:normAutofit/>
           </a:bodyPr>
           <a:lstStyle/>
+          <a:p>
+            <a:r>
+              <a:rPr lang="en-US" dirty="0"/>
+              <a:t>The basic purpose of query parameters is to provide parameters to an operation that needs the data items. </a:t>
+            </a:r>
+          </a:p>
+          <a:p>
+            <a:pPr lvl="1"/>
+            <a:r>
+              <a:rPr lang="en-US" dirty="0"/>
+              <a:t>http://MyService/Persons/1?format=json</a:t>
+            </a:r>
+          </a:p>
+          <a:p>
+            <a:pPr lvl="1"/>
+            <a:r>
+              <a:rPr lang="en-US" dirty="0"/>
+              <a:t>http://</a:t>
+            </a:r>
+            <a:r>
+              <a:rPr lang="en-US" dirty="0" err="1"/>
+              <a:t>MyService</a:t>
+            </a:r>
+            <a:r>
+              <a:rPr lang="en-US" dirty="0"/>
+              <a:t>/Persons/</a:t>
+            </a:r>
+            <a:r>
+              <a:rPr lang="en-US" dirty="0" err="1"/>
+              <a:t>search?name</a:t>
+            </a:r>
+            <a:r>
+              <a:rPr lang="en-US" dirty="0"/>
+              <a:t>=‘</a:t>
+            </a:r>
+            <a:r>
+              <a:rPr lang="en-US" dirty="0" err="1"/>
+              <a:t>nicola</a:t>
+            </a:r>
+            <a:r>
+              <a:rPr lang="en-US" dirty="0"/>
+              <a:t>’</a:t>
+            </a:r>
+          </a:p>
+          <a:p>
+            <a:endParaRPr lang="en-US" dirty="0"/>
+          </a:p>
           <a:p>
             <a:r>
               <a:rPr lang="en-US" dirty="0">
@@ -5139,83 +5385,30 @@
                   </a:schemeClr>
                 </a:solidFill>
               </a:rPr>
-              <a:t>Use plural nouns </a:t>
-            </a:r>
-            <a:r>
-              <a:rPr lang="en-US" dirty="0"/>
-              <a:t>for naming your resources.</a:t>
-            </a:r>
-          </a:p>
-          <a:p>
-            <a:r>
-              <a:rPr lang="en-US" dirty="0">
-                <a:solidFill>
-                  <a:schemeClr val="accent6">
-                    <a:lumMod val="75000"/>
-                  </a:schemeClr>
-                </a:solidFill>
-              </a:rPr>
-              <a:t>Avoid using spaces </a:t>
-            </a:r>
-            <a:r>
-              <a:rPr lang="en-US" dirty="0"/>
-              <a:t>as they create confusion. Use an _ (underscore) or – (hyphen) instead.</a:t>
-            </a:r>
-          </a:p>
-          <a:p>
-            <a:r>
-              <a:rPr lang="en-US" dirty="0"/>
-              <a:t>A URI is </a:t>
-            </a:r>
-            <a:r>
-              <a:rPr lang="en-US" dirty="0">
-                <a:solidFill>
-                  <a:schemeClr val="accent6">
-                    <a:lumMod val="75000"/>
-                  </a:schemeClr>
-                </a:solidFill>
-              </a:rPr>
-              <a:t>case insensitive</a:t>
-            </a:r>
-            <a:r>
-              <a:rPr lang="en-US" dirty="0"/>
-              <a:t>. I use camel case in my URIs for better clarity. You can use all lower-case URIs.</a:t>
-            </a:r>
-          </a:p>
-          <a:p>
-            <a:r>
-              <a:rPr lang="en-US" dirty="0"/>
-              <a:t>A </a:t>
-            </a:r>
-            <a:r>
-              <a:rPr lang="en-US" dirty="0">
-                <a:solidFill>
-                  <a:schemeClr val="accent6">
-                    <a:lumMod val="75000"/>
-                  </a:schemeClr>
-                </a:solidFill>
-              </a:rPr>
-              <a:t>cool URI never changes</a:t>
-            </a:r>
-            <a:r>
-              <a:rPr lang="en-US" dirty="0"/>
-              <a:t>; so give some thought before deciding on the URIs for your service. If you need to change the location of a resource, do not discard the old URI and redirect the client to the new location.</a:t>
-            </a:r>
-          </a:p>
-          <a:p>
-            <a:r>
-              <a:rPr lang="en-US" dirty="0">
-                <a:solidFill>
-                  <a:schemeClr val="accent6">
-                    <a:lumMod val="75000"/>
-                  </a:schemeClr>
-                </a:solidFill>
-              </a:rPr>
-              <a:t>Avoid verbs</a:t>
-            </a:r>
-            <a:r>
-              <a:rPr lang="en-US" dirty="0"/>
-              <a:t> for your resource names. Verbs are more suitable for the names of operations. </a:t>
+              <a:t>Avoid this!</a:t>
+            </a:r>
+          </a:p>
+          <a:p>
+            <a:pPr lvl="1"/>
+            <a:r>
+              <a:rPr lang="en-US" dirty="0"/>
+              <a:t>http://</a:t>
+            </a:r>
+            <a:r>
+              <a:rPr lang="en-US" dirty="0" err="1"/>
+              <a:t>MyService</a:t>
+            </a:r>
+            <a:r>
+              <a:rPr lang="en-US" dirty="0"/>
+              <a:t>/Persons/1/</a:t>
+            </a:r>
+            <a:r>
+              <a:rPr lang="en-US" dirty="0" err="1"/>
+              <a:t>json</a:t>
+            </a:r>
+            <a:r>
+              <a:rPr lang="en-US" dirty="0"/>
+              <a:t>/</a:t>
             </a:r>
           </a:p>
         </p:txBody>
@@ -5223,7 +5416,7 @@
     </p:spTree>
     <p:extLst>
       <p:ext uri="{BB962C8B-B14F-4D97-AF65-F5344CB8AC3E}">
-        <p14:creationId xmlns:p14="http://schemas.microsoft.com/office/powerpoint/2010/main" val="2691110523"/>
+        <p14:creationId xmlns:p14="http://schemas.microsoft.com/office/powerpoint/2010/main" val="221237853"/>
       </p:ext>
     </p:extLst>
   </p:cSld>
@@ -5355,7 +5548,7 @@
           <a:p>
             <a:r>
               <a:rPr lang="en-US" dirty="0"/>
-              <a:t>Query parameters</a:t>
+              <a:t>Statelessness</a:t>
             </a:r>
           </a:p>
         </p:txBody>
@@ -5373,89 +5566,143 @@
         <p:spPr/>
         <p:txBody>
           <a:bodyPr>
-            <a:normAutofit/>
+            <a:normAutofit fontScale="85000" lnSpcReduction="20000"/>
           </a:bodyPr>
           <a:lstStyle/>
           <a:p>
             <a:r>
-              <a:rPr lang="en-US" dirty="0"/>
-              <a:t>The basic purpose of query parameters is to provide parameters to an operation that needs the data items. </a:t>
-            </a:r>
-          </a:p>
-          <a:p>
-            <a:pPr lvl="1"/>
-            <a:r>
-              <a:rPr lang="en-US" dirty="0"/>
-              <a:t>http://MyService/Persons/1?format=json</a:t>
-            </a:r>
-          </a:p>
-          <a:p>
-            <a:pPr lvl="1"/>
-            <a:r>
-              <a:rPr lang="en-US" dirty="0"/>
-              <a:t>http://</a:t>
-            </a:r>
-            <a:r>
-              <a:rPr lang="en-US" dirty="0" err="1"/>
-              <a:t>MyService</a:t>
-            </a:r>
-            <a:r>
-              <a:rPr lang="en-US" dirty="0"/>
-              <a:t>/Persons/</a:t>
-            </a:r>
-            <a:r>
-              <a:rPr lang="en-US" dirty="0" err="1"/>
-              <a:t>search?name</a:t>
-            </a:r>
-            <a:r>
-              <a:rPr lang="en-US" dirty="0"/>
-              <a:t>=‘</a:t>
-            </a:r>
-            <a:r>
-              <a:rPr lang="en-US" dirty="0" err="1"/>
-              <a:t>nicola</a:t>
-            </a:r>
-            <a:r>
-              <a:rPr lang="en-US" dirty="0"/>
-              <a:t>’</a:t>
-            </a:r>
-          </a:p>
-          <a:p>
-            <a:endParaRPr lang="en-US" dirty="0"/>
-          </a:p>
-          <a:p>
-            <a:r>
               <a:rPr lang="en-US" dirty="0">
                 <a:solidFill>
-                  <a:schemeClr val="accent6">
-                    <a:lumMod val="75000"/>
-                  </a:schemeClr>
+                  <a:srgbClr val="E46C0A"/>
                 </a:solidFill>
               </a:rPr>
-              <a:t>Avoid this!</a:t>
-            </a:r>
-          </a:p>
-          <a:p>
-            <a:pPr lvl="1"/>
-            <a:r>
-              <a:rPr lang="en-US" dirty="0"/>
-              <a:t>http://</a:t>
-            </a:r>
-            <a:r>
-              <a:rPr lang="en-US" dirty="0" err="1"/>
+              <a:t>A RESTful service is stateless and does not maintain the application state for any client</a:t>
+            </a:r>
+            <a:r>
+              <a:rPr lang="en-US" dirty="0"/>
+              <a:t>. A request cannot be dependent on a past request. A REST service treats each request independently.</a:t>
+            </a:r>
+          </a:p>
+          <a:p>
+            <a:pPr marL="0" indent="0">
+              <a:buNone/>
+            </a:pPr>
+            <a:endParaRPr lang="en-US" dirty="0">
+              <a:solidFill>
+                <a:srgbClr val="E46C0A"/>
+              </a:solidFill>
+            </a:endParaRPr>
+          </a:p>
+          <a:p>
+            <a:pPr marL="0" indent="0">
+              <a:buNone/>
+            </a:pPr>
+            <a:r>
+              <a:rPr lang="en-US" dirty="0">
+                <a:solidFill>
+                  <a:srgbClr val="E46C0A"/>
+                </a:solidFill>
+              </a:rPr>
+              <a:t>Stateless design</a:t>
+            </a:r>
+          </a:p>
+          <a:p>
+            <a:pPr marL="0" indent="0">
+              <a:buNone/>
+            </a:pPr>
+            <a:r>
+              <a:rPr lang="en-US" i="1" dirty="0"/>
+              <a:t>Request1: GET http://</a:t>
+            </a:r>
+            <a:r>
+              <a:rPr lang="en-US" i="1" dirty="0" err="1"/>
               <a:t>MyService</a:t>
             </a:r>
             <a:r>
-              <a:rPr lang="en-US" dirty="0"/>
-              <a:t>/Persons/1/</a:t>
-            </a:r>
-            <a:r>
-              <a:rPr lang="en-US" dirty="0" err="1"/>
-              <a:t>json</a:t>
-            </a:r>
-            <a:r>
-              <a:rPr lang="en-US" dirty="0"/>
+              <a:rPr lang="en-US" i="1" dirty="0"/>
+              <a:t>/Persons/1 HTTP/1.1</a:t>
+            </a:r>
+          </a:p>
+          <a:p>
+            <a:pPr marL="0" indent="0">
+              <a:buNone/>
+            </a:pPr>
+            <a:r>
+              <a:rPr lang="en-US" i="1" dirty="0"/>
+              <a:t>Request2: GET http://</a:t>
+            </a:r>
+            <a:r>
+              <a:rPr lang="en-US" i="1" dirty="0" err="1"/>
+              <a:t>MyService</a:t>
+            </a:r>
+            <a:r>
+              <a:rPr lang="en-US" i="1" dirty="0"/>
+              <a:t>/Persons/2 HTTP/1.1</a:t>
+            </a:r>
+          </a:p>
+          <a:p>
+            <a:pPr marL="0" indent="0">
+              <a:buNone/>
+            </a:pPr>
+            <a:endParaRPr lang="en-US" dirty="0"/>
+          </a:p>
+          <a:p>
+            <a:pPr marL="0" indent="0">
+              <a:buNone/>
+            </a:pPr>
+            <a:r>
+              <a:rPr lang="en-US" dirty="0">
+                <a:solidFill>
+                  <a:srgbClr val="E46C0A"/>
+                </a:solidFill>
+              </a:rPr>
+              <a:t>Stateful design (Dangerous! Which client??)</a:t>
+            </a:r>
+          </a:p>
+          <a:p>
+            <a:pPr marL="0" indent="0">
+              <a:buNone/>
+            </a:pPr>
+            <a:r>
+              <a:rPr lang="en-US" i="1" dirty="0"/>
+              <a:t>Request1: GET http://</a:t>
+            </a:r>
+            <a:r>
+              <a:rPr lang="en-US" i="1" dirty="0" err="1"/>
+              <a:t>MyService</a:t>
+            </a:r>
+            <a:r>
+              <a:rPr lang="en-US" i="1" dirty="0"/>
+              <a:t>/Persons/1 HTTP/1.1</a:t>
+            </a:r>
+          </a:p>
+          <a:p>
+            <a:pPr marL="0" indent="0">
+              <a:buNone/>
+            </a:pPr>
+            <a:r>
+              <a:rPr lang="en-US" i="1" dirty="0"/>
+              <a:t>Request2: GET http://</a:t>
+            </a:r>
+            <a:r>
+              <a:rPr lang="en-US" i="1" dirty="0" err="1"/>
+              <a:t>MyService</a:t>
+            </a:r>
+            <a:r>
+              <a:rPr lang="en-US" i="1" dirty="0"/>
               <a:t>/</a:t>
+            </a:r>
+            <a:r>
+              <a:rPr lang="en-US" i="1" dirty="0" err="1"/>
+              <a:t>NextPerson</a:t>
+            </a:r>
+            <a:r>
+              <a:rPr lang="en-US" i="1" dirty="0"/>
+              <a:t> HTTP/1.1</a:t>
+            </a:r>
+            <a:r>
+              <a:rPr lang="en-US" dirty="0"/>
+              <a:t> </a:t>
             </a:r>
           </a:p>
         </p:txBody>
@@ -5463,7 +5710,7 @@
     </p:spTree>
     <p:extLst>
       <p:ext uri="{BB962C8B-B14F-4D97-AF65-F5344CB8AC3E}">
-        <p14:creationId xmlns:p14="http://schemas.microsoft.com/office/powerpoint/2010/main" val="221237853"/>
+        <p14:creationId xmlns:p14="http://schemas.microsoft.com/office/powerpoint/2010/main" val="2476966677"/>
       </p:ext>
     </p:extLst>
   </p:cSld>
@@ -5507,7 +5754,7 @@
           <a:p>
             <a:r>
               <a:rPr lang="en-US" dirty="0"/>
-              <a:t>Statelessness</a:t>
+              <a:t>Documentation</a:t>
             </a:r>
           </a:p>
         </p:txBody>
@@ -5519,13 +5766,13 @@
             <a:spLocks noGrp="1"/>
           </p:cNvSpPr>
           <p:nvPr>
-            <p:ph idx="1"/>
+            <p:ph sz="half" idx="1"/>
           </p:nvPr>
         </p:nvSpPr>
         <p:spPr/>
         <p:txBody>
           <a:bodyPr>
-            <a:normAutofit fontScale="85000" lnSpcReduction="20000"/>
+            <a:normAutofit fontScale="92500" lnSpcReduction="20000"/>
           </a:bodyPr>
           <a:lstStyle/>
           <a:p>
@@ -5535,141 +5782,67 @@
                   <a:srgbClr val="E46C0A"/>
                 </a:solidFill>
               </a:rPr>
-              <a:t>A RESTful service is stateless and does not maintain the application state for any client</a:t>
-            </a:r>
-            <a:r>
-              <a:rPr lang="en-US" dirty="0"/>
-              <a:t>. A request cannot be dependent on a past request. A REST service treats each request independently.</a:t>
-            </a:r>
-          </a:p>
-          <a:p>
-            <a:pPr marL="0" indent="0">
-              <a:buNone/>
-            </a:pPr>
-            <a:endParaRPr lang="en-US" dirty="0">
-              <a:solidFill>
-                <a:srgbClr val="E46C0A"/>
-              </a:solidFill>
-            </a:endParaRPr>
-          </a:p>
-          <a:p>
-            <a:pPr marL="0" indent="0">
-              <a:buNone/>
-            </a:pPr>
-            <a:r>
-              <a:rPr lang="en-US" dirty="0">
-                <a:solidFill>
-                  <a:srgbClr val="E46C0A"/>
-                </a:solidFill>
-              </a:rPr>
-              <a:t>Stateless design</a:t>
-            </a:r>
-          </a:p>
-          <a:p>
-            <a:pPr marL="0" indent="0">
-              <a:buNone/>
-            </a:pPr>
-            <a:r>
-              <a:rPr lang="en-US" i="1" dirty="0"/>
-              <a:t>Request1: GET http://</a:t>
-            </a:r>
-            <a:r>
-              <a:rPr lang="en-US" i="1" dirty="0" err="1"/>
-              <a:t>MyService</a:t>
-            </a:r>
-            <a:r>
-              <a:rPr lang="en-US" i="1" dirty="0"/>
-              <a:t>/Persons/1 HTTP/1.1</a:t>
-            </a:r>
-          </a:p>
-          <a:p>
-            <a:pPr marL="0" indent="0">
-              <a:buNone/>
-            </a:pPr>
-            <a:r>
-              <a:rPr lang="en-US" i="1" dirty="0"/>
-              <a:t>Request2: GET http://</a:t>
-            </a:r>
-            <a:r>
-              <a:rPr lang="en-US" i="1" dirty="0" err="1"/>
-              <a:t>MyService</a:t>
-            </a:r>
-            <a:r>
-              <a:rPr lang="en-US" i="1" dirty="0"/>
-              <a:t>/Persons/2 HTTP/1.1</a:t>
-            </a:r>
-          </a:p>
-          <a:p>
-            <a:pPr marL="0" indent="0">
-              <a:buNone/>
-            </a:pPr>
-            <a:endParaRPr lang="en-US" dirty="0"/>
-          </a:p>
-          <a:p>
-            <a:pPr marL="0" indent="0">
-              <a:buNone/>
-            </a:pPr>
-            <a:r>
-              <a:rPr lang="en-US" dirty="0">
-                <a:solidFill>
-                  <a:srgbClr val="E46C0A"/>
-                </a:solidFill>
-              </a:rPr>
-              <a:t>Stateful design (Dangerous! Which client??)</a:t>
-            </a:r>
-          </a:p>
-          <a:p>
-            <a:pPr marL="0" indent="0">
-              <a:buNone/>
-            </a:pPr>
-            <a:r>
-              <a:rPr lang="en-US" i="1" dirty="0"/>
-              <a:t>Request1: GET http://</a:t>
-            </a:r>
-            <a:r>
-              <a:rPr lang="en-US" i="1" dirty="0" err="1"/>
-              <a:t>MyService</a:t>
-            </a:r>
-            <a:r>
-              <a:rPr lang="en-US" i="1" dirty="0"/>
-              <a:t>/Persons/1 HTTP/1.1</a:t>
-            </a:r>
-          </a:p>
-          <a:p>
-            <a:pPr marL="0" indent="0">
-              <a:buNone/>
-            </a:pPr>
-            <a:r>
-              <a:rPr lang="en-US" i="1" dirty="0"/>
-              <a:t>Request2: GET http://</a:t>
-            </a:r>
-            <a:r>
-              <a:rPr lang="en-US" i="1" dirty="0" err="1"/>
-              <a:t>MyService</a:t>
-            </a:r>
-            <a:r>
-              <a:rPr lang="en-US" i="1" dirty="0"/>
-              <a:t>/</a:t>
-            </a:r>
-            <a:r>
-              <a:rPr lang="en-US" i="1" dirty="0" err="1"/>
-              <a:t>NextPerson</a:t>
-            </a:r>
-            <a:r>
-              <a:rPr lang="en-US" i="1" dirty="0"/>
-              <a:t> HTTP/1.1</a:t>
-            </a:r>
-            <a:r>
-              <a:rPr lang="en-US" dirty="0"/>
-              <a:t> </a:t>
-            </a:r>
-          </a:p>
-        </p:txBody>
-      </p:sp>
+              <a:t>There is no excuse for not documenting your service</a:t>
+            </a:r>
+            <a:r>
+              <a:rPr lang="en-US" dirty="0"/>
+              <a:t>. </a:t>
+            </a:r>
+          </a:p>
+          <a:p>
+            <a:r>
+              <a:rPr lang="en-US" dirty="0"/>
+              <a:t>You should document every resource and URI for client developers. </a:t>
+            </a:r>
+          </a:p>
+          <a:p>
+            <a:r>
+              <a:rPr lang="en-US" dirty="0"/>
+              <a:t>You can use any format for structuring your document, but it should contain enough information about resources, URIs, Available Methods, and any other information required for accessing your service. </a:t>
+            </a:r>
+          </a:p>
+        </p:txBody>
+      </p:sp>
+      <p:pic>
+        <p:nvPicPr>
+          <p:cNvPr id="5" name="Content Placeholder 4" descr="Screen Shot 2017-05-16 at 00.20.21.png">
+            <a:extLst>
+              <a:ext uri="{FF2B5EF4-FFF2-40B4-BE49-F238E27FC236}">
+                <a16:creationId xmlns:a16="http://schemas.microsoft.com/office/drawing/2014/main" id="{D2E48EC4-B9A5-B1A6-9E79-541F2F02181B}"/>
+              </a:ext>
+            </a:extLst>
+          </p:cNvPr>
+          <p:cNvPicPr>
+            <a:picLocks noGrp="1" noChangeAspect="1"/>
+          </p:cNvPicPr>
+          <p:nvPr>
+            <p:ph sz="half" idx="2"/>
+          </p:nvPr>
+        </p:nvPicPr>
+        <p:blipFill>
+          <a:blip r:embed="rId2" cstate="print">
+            <a:extLst>
+              <a:ext uri="{28A0092B-C50C-407E-A947-70E740481C1C}">
+                <a14:useLocalDpi xmlns:a14="http://schemas.microsoft.com/office/drawing/2010/main"/>
+              </a:ext>
+            </a:extLst>
+          </a:blip>
+          <a:srcRect l="-33159" r="-33159"/>
+          <a:stretch>
+            <a:fillRect/>
+          </a:stretch>
+        </p:blipFill>
+        <p:spPr>
+          <a:xfrm>
+            <a:off x="4511824" y="1601836"/>
+            <a:ext cx="8816712" cy="4853134"/>
+          </a:xfrm>
+        </p:spPr>
+      </p:pic>
     </p:spTree>
     <p:extLst>
       <p:ext uri="{BB962C8B-B14F-4D97-AF65-F5344CB8AC3E}">
-        <p14:creationId xmlns:p14="http://schemas.microsoft.com/office/powerpoint/2010/main" val="2476966677"/>
+        <p14:creationId xmlns:p14="http://schemas.microsoft.com/office/powerpoint/2010/main" val="917700821"/>
       </p:ext>
     </p:extLst>
   </p:cSld>
@@ -5713,7 +5886,7 @@
           <a:p>
             <a:r>
               <a:rPr lang="en-US" dirty="0"/>
-              <a:t>Documentation</a:t>
+              <a:t>Criticism</a:t>
             </a:r>
           </a:p>
         </p:txBody>
@@ -5741,25 +5914,73 @@
                   <a:srgbClr val="E46C0A"/>
                 </a:solidFill>
               </a:rPr>
-              <a:t>There is no excuse for not documenting your service</a:t>
-            </a:r>
-            <a:r>
-              <a:rPr lang="en-US" dirty="0"/>
-              <a:t>. </a:t>
-            </a:r>
-          </a:p>
-          <a:p>
-            <a:r>
-              <a:rPr lang="en-US" dirty="0"/>
-              <a:t>You should document every resource and URI for client developers. You can use any format for structuring your document, but it should contain enough information about resources, URIs, Available Methods, and any other information required for accessing your service. </a:t>
-            </a:r>
+              <a:t>No transactions support</a:t>
+            </a:r>
+          </a:p>
+          <a:p>
+            <a:pPr lvl="1"/>
+            <a:r>
+              <a:rPr lang="en-US" dirty="0"/>
+              <a:t>DBMS (usually behind REST services) support transactions</a:t>
+            </a:r>
+          </a:p>
+          <a:p>
+            <a:r>
+              <a:rPr lang="en-US" dirty="0">
+                <a:solidFill>
+                  <a:srgbClr val="E46C0A"/>
+                </a:solidFill>
+              </a:rPr>
+              <a:t>No publish/subscribe support.</a:t>
+            </a:r>
+            <a:endParaRPr lang="en-US" dirty="0"/>
+          </a:p>
+          <a:p>
+            <a:pPr lvl="1"/>
+            <a:r>
+              <a:rPr lang="en-US" dirty="0"/>
+              <a:t>Notification is done by polling. </a:t>
+            </a:r>
+          </a:p>
+          <a:p>
+            <a:r>
+              <a:rPr lang="en-US" dirty="0">
+                <a:solidFill>
+                  <a:schemeClr val="accent6">
+                    <a:lumMod val="75000"/>
+                  </a:schemeClr>
+                </a:solidFill>
+              </a:rPr>
+              <a:t>High bandwidth </a:t>
+            </a:r>
+          </a:p>
+          <a:p>
+            <a:pPr lvl="1"/>
+            <a:r>
+              <a:rPr lang="en-US" dirty="0"/>
+              <a:t>HTTP uses a request/response model, so there’s a lot of baggage flying around the network to make it all work.</a:t>
+            </a:r>
+          </a:p>
+          <a:p>
+            <a:pPr lvl="1"/>
+            <a:endParaRPr lang="en-US" dirty="0"/>
+          </a:p>
+          <a:p>
+            <a:pPr lvl="1"/>
+            <a:endParaRPr lang="en-US" dirty="0"/>
+          </a:p>
+          <a:p>
+            <a:endParaRPr lang="en-US" dirty="0"/>
+          </a:p>
+          <a:p>
+            <a:endParaRPr lang="en-US" dirty="0"/>
           </a:p>
         </p:txBody>
       </p:sp>
     </p:spTree>
     <p:extLst>
       <p:ext uri="{BB962C8B-B14F-4D97-AF65-F5344CB8AC3E}">
-        <p14:creationId xmlns:p14="http://schemas.microsoft.com/office/powerpoint/2010/main" val="917700821"/>
+        <p14:creationId xmlns:p14="http://schemas.microsoft.com/office/powerpoint/2010/main" val="3308130020"/>
       </p:ext>
     </p:extLst>
   </p:cSld>
@@ -5803,45 +6024,71 @@
           <a:p>
             <a:r>
               <a:rPr lang="en-US" dirty="0"/>
-              <a:t>Documentation</a:t>
-            </a:r>
-          </a:p>
-        </p:txBody>
-      </p:sp>
-      <p:pic>
-        <p:nvPicPr>
-          <p:cNvPr id="5" name="Content Placeholder 4" descr="Screen Shot 2017-05-16 at 00.20.21.png"/>
-          <p:cNvPicPr>
-            <a:picLocks noGrp="1" noChangeAspect="1"/>
-          </p:cNvPicPr>
+              <a:t>Advantages</a:t>
+            </a:r>
+          </a:p>
+        </p:txBody>
+      </p:sp>
+      <p:sp>
+        <p:nvSpPr>
+          <p:cNvPr id="3" name="Content Placeholder 2"/>
+          <p:cNvSpPr>
+            <a:spLocks noGrp="1"/>
+          </p:cNvSpPr>
           <p:nvPr>
             <p:ph idx="1"/>
           </p:nvPr>
-        </p:nvPicPr>
-        <p:blipFill>
-          <a:blip r:embed="rId2" cstate="print">
-            <a:extLst>
-              <a:ext uri="{28A0092B-C50C-407E-A947-70E740481C1C}">
-                <a14:useLocalDpi xmlns:a14="http://schemas.microsoft.com/office/drawing/2010/main"/>
-              </a:ext>
-            </a:extLst>
-          </a:blip>
-          <a:srcRect l="-33159" r="-33159"/>
-          <a:stretch>
-            <a:fillRect/>
-          </a:stretch>
-        </p:blipFill>
-        <p:spPr>
-          <a:xfrm>
-            <a:off x="1696616" y="1628800"/>
-            <a:ext cx="8798768" cy="4525963"/>
-          </a:xfrm>
-        </p:spPr>
-      </p:pic>
+        </p:nvSpPr>
+        <p:spPr/>
+        <p:txBody>
+          <a:bodyPr>
+            <a:normAutofit lnSpcReduction="10000"/>
+          </a:bodyPr>
+          <a:lstStyle/>
+          <a:p>
+            <a:r>
+              <a:rPr lang="en-US" dirty="0">
+                <a:solidFill>
+                  <a:srgbClr val="E46C0A"/>
+                </a:solidFill>
+              </a:rPr>
+              <a:t>REST is a great way of developing lightweight Web services that are easy to implement, maintain, and discover. </a:t>
+            </a:r>
+          </a:p>
+          <a:p>
+            <a:r>
+              <a:rPr lang="en-US" dirty="0"/>
+              <a:t>HTTP provides an excellent interface to implement </a:t>
+            </a:r>
+            <a:r>
+              <a:rPr lang="en-US" dirty="0" err="1"/>
+              <a:t>RESTful</a:t>
+            </a:r>
+            <a:r>
+              <a:rPr lang="en-US" dirty="0"/>
+              <a:t> services with features like a uniform interface and caching. However, it is up to developers to implement and utilize these features correctly. </a:t>
+            </a:r>
+          </a:p>
+          <a:p>
+            <a:r>
+              <a:rPr lang="en-US" dirty="0"/>
+              <a:t>If we get the basics right, a </a:t>
+            </a:r>
+            <a:r>
+              <a:rPr lang="en-US" dirty="0" err="1"/>
+              <a:t>RESTful</a:t>
+            </a:r>
+            <a:r>
+              <a:rPr lang="en-US" dirty="0"/>
+              <a:t> service can be easily implemented using any of the existing technologies such as Python, .NET, or Java. </a:t>
+            </a:r>
+          </a:p>
+        </p:txBody>
+      </p:sp>
     </p:spTree>
     <p:extLst>
       <p:ext uri="{BB962C8B-B14F-4D97-AF65-F5344CB8AC3E}">
-        <p14:creationId xmlns:p14="http://schemas.microsoft.com/office/powerpoint/2010/main" val="726044938"/>
+        <p14:creationId xmlns:p14="http://schemas.microsoft.com/office/powerpoint/2010/main" val="1323103245"/>
       </p:ext>
     </p:extLst>
   </p:cSld>
@@ -5870,252 +6117,6 @@
       </p:grpSpPr>
       <p:sp>
         <p:nvSpPr>
-          <p:cNvPr id="2" name="Title 1"/>
-          <p:cNvSpPr>
-            <a:spLocks noGrp="1"/>
-          </p:cNvSpPr>
-          <p:nvPr>
-            <p:ph type="title"/>
-          </p:nvPr>
-        </p:nvSpPr>
-        <p:spPr/>
-        <p:txBody>
-          <a:bodyPr/>
-          <a:lstStyle/>
-          <a:p>
-            <a:r>
-              <a:rPr lang="en-US" dirty="0"/>
-              <a:t>Criticism</a:t>
-            </a:r>
-          </a:p>
-        </p:txBody>
-      </p:sp>
-      <p:sp>
-        <p:nvSpPr>
-          <p:cNvPr id="3" name="Content Placeholder 2"/>
-          <p:cNvSpPr>
-            <a:spLocks noGrp="1"/>
-          </p:cNvSpPr>
-          <p:nvPr>
-            <p:ph idx="1"/>
-          </p:nvPr>
-        </p:nvSpPr>
-        <p:spPr/>
-        <p:txBody>
-          <a:bodyPr>
-            <a:normAutofit/>
-          </a:bodyPr>
-          <a:lstStyle/>
-          <a:p>
-            <a:r>
-              <a:rPr lang="en-US" dirty="0">
-                <a:solidFill>
-                  <a:srgbClr val="E46C0A"/>
-                </a:solidFill>
-              </a:rPr>
-              <a:t>No transactions support</a:t>
-            </a:r>
-          </a:p>
-          <a:p>
-            <a:pPr lvl="1"/>
-            <a:r>
-              <a:rPr lang="en-US" dirty="0"/>
-              <a:t>DBMS (usually behind REST services) support transactions</a:t>
-            </a:r>
-          </a:p>
-          <a:p>
-            <a:r>
-              <a:rPr lang="en-US" dirty="0">
-                <a:solidFill>
-                  <a:srgbClr val="E46C0A"/>
-                </a:solidFill>
-              </a:rPr>
-              <a:t>No publish/subscribe support.</a:t>
-            </a:r>
-            <a:endParaRPr lang="en-US" dirty="0"/>
-          </a:p>
-          <a:p>
-            <a:pPr lvl="1"/>
-            <a:r>
-              <a:rPr lang="en-US" dirty="0"/>
-              <a:t>Notification is done by polling. </a:t>
-            </a:r>
-          </a:p>
-          <a:p>
-            <a:r>
-              <a:rPr lang="en-US" dirty="0">
-                <a:solidFill>
-                  <a:schemeClr val="accent6">
-                    <a:lumMod val="75000"/>
-                  </a:schemeClr>
-                </a:solidFill>
-              </a:rPr>
-              <a:t>High bandwidth </a:t>
-            </a:r>
-          </a:p>
-          <a:p>
-            <a:pPr lvl="1"/>
-            <a:r>
-              <a:rPr lang="en-US" dirty="0"/>
-              <a:t>HTTP uses a request/response model, so there’s a lot of baggage flying around the network to make it all work.</a:t>
-            </a:r>
-          </a:p>
-          <a:p>
-            <a:pPr lvl="1"/>
-            <a:endParaRPr lang="en-US" dirty="0"/>
-          </a:p>
-          <a:p>
-            <a:pPr lvl="1"/>
-            <a:endParaRPr lang="en-US" dirty="0"/>
-          </a:p>
-          <a:p>
-            <a:endParaRPr lang="en-US" dirty="0"/>
-          </a:p>
-          <a:p>
-            <a:endParaRPr lang="en-US" dirty="0"/>
-          </a:p>
-        </p:txBody>
-      </p:sp>
-    </p:spTree>
-    <p:extLst>
-      <p:ext uri="{BB962C8B-B14F-4D97-AF65-F5344CB8AC3E}">
-        <p14:creationId xmlns:p14="http://schemas.microsoft.com/office/powerpoint/2010/main" val="3308130020"/>
-      </p:ext>
-    </p:extLst>
-  </p:cSld>
-  <p:clrMapOvr>
-    <a:masterClrMapping/>
-  </p:clrMapOvr>
-</p:sld>
-</file>
-
-<file path=ppt/slides/slide25.xml><?xml version="1.0" encoding="utf-8"?>
-<p:sld xmlns:a="http://schemas.openxmlformats.org/drawingml/2006/main" xmlns:r="http://schemas.openxmlformats.org/officeDocument/2006/relationships" xmlns:p="http://schemas.openxmlformats.org/presentationml/2006/main">
-  <p:cSld>
-    <p:spTree>
-      <p:nvGrpSpPr>
-        <p:cNvPr id="1" name=""/>
-        <p:cNvGrpSpPr/>
-        <p:nvPr/>
-      </p:nvGrpSpPr>
-      <p:grpSpPr>
-        <a:xfrm>
-          <a:off x="0" y="0"/>
-          <a:ext cx="0" cy="0"/>
-          <a:chOff x="0" y="0"/>
-          <a:chExt cx="0" cy="0"/>
-        </a:xfrm>
-      </p:grpSpPr>
-      <p:sp>
-        <p:nvSpPr>
-          <p:cNvPr id="2" name="Title 1"/>
-          <p:cNvSpPr>
-            <a:spLocks noGrp="1"/>
-          </p:cNvSpPr>
-          <p:nvPr>
-            <p:ph type="title"/>
-          </p:nvPr>
-        </p:nvSpPr>
-        <p:spPr/>
-        <p:txBody>
-          <a:bodyPr/>
-          <a:lstStyle/>
-          <a:p>
-            <a:r>
-              <a:rPr lang="en-US" dirty="0"/>
-              <a:t>Advantages</a:t>
-            </a:r>
-          </a:p>
-        </p:txBody>
-      </p:sp>
-      <p:sp>
-        <p:nvSpPr>
-          <p:cNvPr id="3" name="Content Placeholder 2"/>
-          <p:cNvSpPr>
-            <a:spLocks noGrp="1"/>
-          </p:cNvSpPr>
-          <p:nvPr>
-            <p:ph idx="1"/>
-          </p:nvPr>
-        </p:nvSpPr>
-        <p:spPr/>
-        <p:txBody>
-          <a:bodyPr>
-            <a:normAutofit lnSpcReduction="10000"/>
-          </a:bodyPr>
-          <a:lstStyle/>
-          <a:p>
-            <a:r>
-              <a:rPr lang="en-US" dirty="0">
-                <a:solidFill>
-                  <a:srgbClr val="E46C0A"/>
-                </a:solidFill>
-              </a:rPr>
-              <a:t>REST is a great way of developing lightweight Web services that are easy to implement, maintain, and discover. </a:t>
-            </a:r>
-          </a:p>
-          <a:p>
-            <a:r>
-              <a:rPr lang="en-US" dirty="0"/>
-              <a:t>HTTP provides an excellent interface to implement </a:t>
-            </a:r>
-            <a:r>
-              <a:rPr lang="en-US" dirty="0" err="1"/>
-              <a:t>RESTful</a:t>
-            </a:r>
-            <a:r>
-              <a:rPr lang="en-US" dirty="0"/>
-              <a:t> services with features like a uniform interface and caching. However, it is up to developers to implement and utilize these features correctly. </a:t>
-            </a:r>
-          </a:p>
-          <a:p>
-            <a:r>
-              <a:rPr lang="en-US" dirty="0"/>
-              <a:t>If we get the basics right, a </a:t>
-            </a:r>
-            <a:r>
-              <a:rPr lang="en-US" dirty="0" err="1"/>
-              <a:t>RESTful</a:t>
-            </a:r>
-            <a:r>
-              <a:rPr lang="en-US" dirty="0"/>
-              <a:t> service can be easily implemented using any of the existing technologies such as Python, .NET, or Java. </a:t>
-            </a:r>
-          </a:p>
-        </p:txBody>
-      </p:sp>
-    </p:spTree>
-    <p:extLst>
-      <p:ext uri="{BB962C8B-B14F-4D97-AF65-F5344CB8AC3E}">
-        <p14:creationId xmlns:p14="http://schemas.microsoft.com/office/powerpoint/2010/main" val="1323103245"/>
-      </p:ext>
-    </p:extLst>
-  </p:cSld>
-  <p:clrMapOvr>
-    <a:masterClrMapping/>
-  </p:clrMapOvr>
-</p:sld>
-</file>
-
-<file path=ppt/slides/slide26.xml><?xml version="1.0" encoding="utf-8"?>
-<p:sld xmlns:a="http://schemas.openxmlformats.org/drawingml/2006/main" xmlns:r="http://schemas.openxmlformats.org/officeDocument/2006/relationships" xmlns:p="http://schemas.openxmlformats.org/presentationml/2006/main">
-  <p:cSld>
-    <p:spTree>
-      <p:nvGrpSpPr>
-        <p:cNvPr id="1" name=""/>
-        <p:cNvGrpSpPr/>
-        <p:nvPr/>
-      </p:nvGrpSpPr>
-      <p:grpSpPr>
-        <a:xfrm>
-          <a:off x="0" y="0"/>
-          <a:ext cx="0" cy="0"/>
-          <a:chOff x="0" y="0"/>
-          <a:chExt cx="0" cy="0"/>
-        </a:xfrm>
-      </p:grpSpPr>
-      <p:sp>
-        <p:nvSpPr>
           <p:cNvPr id="2" name="Title 1">
             <a:extLst>
               <a:ext uri="{FF2B5EF4-FFF2-40B4-BE49-F238E27FC236}">
@@ -6167,7 +6168,7 @@
             <a:fld id="{D2040F39-7941-49A4-B48D-F201B18B6351}" type="slidenum">
               <a:rPr lang="it-IT" smtClean="0"/>
               <a:pPr/>
-              <a:t>26</a:t>
+              <a:t>24</a:t>
             </a:fld>
             <a:endParaRPr lang="it-IT" dirty="0"/>
           </a:p>
@@ -6498,7 +6499,7 @@
         </p:blipFill>
         <p:spPr>
           <a:xfrm>
-            <a:off x="1559496" y="3140968"/>
+            <a:off x="1487488" y="3429000"/>
             <a:ext cx="8788400" cy="3581400"/>
           </a:xfrm>
           <a:prstGeom prst="rect">
@@ -7347,15 +7348,45 @@
           <a:p>
             <a:r>
               <a:rPr lang="en-US" dirty="0"/>
-              <a:t>Clients and REST services talk to each other via messages. </a:t>
+              <a:t>Clients and REST services talk to each other via messages.</a:t>
+            </a:r>
+          </a:p>
+          <a:p>
+            <a:pPr lvl="1"/>
+            <a:r>
+              <a:rPr lang="en-US" dirty="0"/>
+              <a:t>Clients send an </a:t>
             </a:r>
             <a:r>
               <a:rPr lang="en-US" dirty="0">
                 <a:solidFill>
-                  <a:srgbClr val="E46C0A"/>
+                  <a:schemeClr val="accent6">
+                    <a:lumMod val="75000"/>
+                  </a:schemeClr>
                 </a:solidFill>
               </a:rPr>
-              <a:t>Clients send a HTTP request to the server, and the server replies with a HTTP response. </a:t>
+              <a:t>HTTP request </a:t>
+            </a:r>
+            <a:r>
+              <a:rPr lang="en-US" dirty="0"/>
+              <a:t>to the server</a:t>
+            </a:r>
+          </a:p>
+          <a:p>
+            <a:pPr lvl="1"/>
+            <a:r>
+              <a:rPr lang="en-US" dirty="0"/>
+              <a:t>Services reply with an </a:t>
+            </a:r>
+            <a:r>
+              <a:rPr lang="en-US" dirty="0">
+                <a:solidFill>
+                  <a:schemeClr val="accent6">
+                    <a:lumMod val="75000"/>
+                  </a:schemeClr>
+                </a:solidFill>
+              </a:rPr>
+              <a:t>HTTP response. </a:t>
             </a:r>
           </a:p>
           <a:p>
